--- a/Prezentacja.pptx
+++ b/Prezentacja.pptx
@@ -110,6 +110,11 @@
       </a:defRPr>
     </a:lvl9pPr>
   </p:defaultTextStyle>
+  <p:extLst>
+    <p:ext uri="{EFAFB233-063F-42B5-8137-9DF3F51BA10A}">
+      <p15:sldGuideLst xmlns:p15="http://schemas.microsoft.com/office/powerpoint/2012/main"/>
+    </p:ext>
+  </p:extLst>
 </p:presentation>
 </file>
 
@@ -313,7 +318,7 @@
           <a:p>
             <a:fld id="{F2D42C19-421B-488A-8E19-C5A8DD1D053E}" type="datetimeFigureOut">
               <a:rPr lang="pl-PL" smtClean="0"/>
-              <a:t>11.01.2021</a:t>
+              <a:t>12.01.2021</a:t>
             </a:fld>
             <a:endParaRPr lang="pl-PL"/>
           </a:p>
@@ -503,7 +508,7 @@
           <a:p>
             <a:fld id="{F2D42C19-421B-488A-8E19-C5A8DD1D053E}" type="datetimeFigureOut">
               <a:rPr lang="pl-PL" smtClean="0"/>
-              <a:t>11.01.2021</a:t>
+              <a:t>12.01.2021</a:t>
             </a:fld>
             <a:endParaRPr lang="pl-PL"/>
           </a:p>
@@ -683,7 +688,7 @@
           <a:p>
             <a:fld id="{F2D42C19-421B-488A-8E19-C5A8DD1D053E}" type="datetimeFigureOut">
               <a:rPr lang="pl-PL" smtClean="0"/>
-              <a:t>11.01.2021</a:t>
+              <a:t>12.01.2021</a:t>
             </a:fld>
             <a:endParaRPr lang="pl-PL"/>
           </a:p>
@@ -853,7 +858,7 @@
           <a:p>
             <a:fld id="{F2D42C19-421B-488A-8E19-C5A8DD1D053E}" type="datetimeFigureOut">
               <a:rPr lang="pl-PL" smtClean="0"/>
-              <a:t>11.01.2021</a:t>
+              <a:t>12.01.2021</a:t>
             </a:fld>
             <a:endParaRPr lang="pl-PL"/>
           </a:p>
@@ -1109,7 +1114,7 @@
           <a:p>
             <a:fld id="{F2D42C19-421B-488A-8E19-C5A8DD1D053E}" type="datetimeFigureOut">
               <a:rPr lang="pl-PL" smtClean="0"/>
-              <a:t>11.01.2021</a:t>
+              <a:t>12.01.2021</a:t>
             </a:fld>
             <a:endParaRPr lang="pl-PL"/>
           </a:p>
@@ -1397,7 +1402,7 @@
           <a:p>
             <a:fld id="{F2D42C19-421B-488A-8E19-C5A8DD1D053E}" type="datetimeFigureOut">
               <a:rPr lang="pl-PL" smtClean="0"/>
-              <a:t>11.01.2021</a:t>
+              <a:t>12.01.2021</a:t>
             </a:fld>
             <a:endParaRPr lang="pl-PL"/>
           </a:p>
@@ -1835,7 +1840,7 @@
           <a:p>
             <a:fld id="{F2D42C19-421B-488A-8E19-C5A8DD1D053E}" type="datetimeFigureOut">
               <a:rPr lang="pl-PL" smtClean="0"/>
-              <a:t>11.01.2021</a:t>
+              <a:t>12.01.2021</a:t>
             </a:fld>
             <a:endParaRPr lang="pl-PL"/>
           </a:p>
@@ -1953,7 +1958,7 @@
           <a:p>
             <a:fld id="{F2D42C19-421B-488A-8E19-C5A8DD1D053E}" type="datetimeFigureOut">
               <a:rPr lang="pl-PL" smtClean="0"/>
-              <a:t>11.01.2021</a:t>
+              <a:t>12.01.2021</a:t>
             </a:fld>
             <a:endParaRPr lang="pl-PL"/>
           </a:p>
@@ -2048,7 +2053,7 @@
           <a:p>
             <a:fld id="{F2D42C19-421B-488A-8E19-C5A8DD1D053E}" type="datetimeFigureOut">
               <a:rPr lang="pl-PL" smtClean="0"/>
-              <a:t>11.01.2021</a:t>
+              <a:t>12.01.2021</a:t>
             </a:fld>
             <a:endParaRPr lang="pl-PL"/>
           </a:p>
@@ -2404,7 +2409,7 @@
           <a:p>
             <a:fld id="{F2D42C19-421B-488A-8E19-C5A8DD1D053E}" type="datetimeFigureOut">
               <a:rPr lang="pl-PL" smtClean="0"/>
-              <a:t>11.01.2021</a:t>
+              <a:t>12.01.2021</a:t>
             </a:fld>
             <a:endParaRPr lang="pl-PL"/>
           </a:p>
@@ -2720,7 +2725,7 @@
           <a:p>
             <a:fld id="{F2D42C19-421B-488A-8E19-C5A8DD1D053E}" type="datetimeFigureOut">
               <a:rPr lang="pl-PL" smtClean="0"/>
-              <a:t>11.01.2021</a:t>
+              <a:t>12.01.2021</a:t>
             </a:fld>
             <a:endParaRPr lang="pl-PL"/>
           </a:p>
@@ -2953,7 +2958,7 @@
           <a:p>
             <a:fld id="{F2D42C19-421B-488A-8E19-C5A8DD1D053E}" type="datetimeFigureOut">
               <a:rPr lang="pl-PL" smtClean="0"/>
-              <a:t>11.01.2021</a:t>
+              <a:t>12.01.2021</a:t>
             </a:fld>
             <a:endParaRPr lang="pl-PL"/>
           </a:p>
@@ -3546,27 +3551,43 @@
           <a:bodyPr/>
           <a:lstStyle/>
           <a:p>
+            <a:pPr lvl="1">
+              <a:buFont typeface="Courier New" panose="02070309020205020404" pitchFamily="49" charset="0"/>
+              <a:buChar char="o"/>
+            </a:pPr>
             <a:r>
               <a:rPr lang="pl-PL" dirty="0"/>
               <a:t>9 atrybutów opisujących i 1 decydujący</a:t>
             </a:r>
           </a:p>
           <a:p>
+            <a:pPr lvl="1">
+              <a:buFont typeface="Courier New" panose="02070309020205020404" pitchFamily="49" charset="0"/>
+              <a:buChar char="o"/>
+            </a:pPr>
             <a:r>
               <a:rPr lang="pl-PL" dirty="0"/>
-              <a:t>Zawiera cechy szkła takie jak zawartość 8 różnych pierwiastków oraz Refractive index</a:t>
-            </a:r>
-          </a:p>
-          <a:p>
+              <a:t>Zawiera cechy szkła takie jak: zawartość 8 różnych pierwiastków oraz Refractive index</a:t>
+            </a:r>
+          </a:p>
+          <a:p>
+            <a:pPr lvl="1">
+              <a:buFont typeface="Courier New" panose="02070309020205020404" pitchFamily="49" charset="0"/>
+              <a:buChar char="o"/>
+            </a:pPr>
             <a:r>
               <a:rPr lang="pl-PL" dirty="0"/>
               <a:t>Każdy obiekt może mieć klasę – 1 z 7 rodzajów szkła </a:t>
             </a:r>
           </a:p>
           <a:p>
+            <a:pPr lvl="1">
+              <a:buFont typeface="Courier New" panose="02070309020205020404" pitchFamily="49" charset="0"/>
+              <a:buChar char="o"/>
+            </a:pPr>
             <a:r>
               <a:rPr lang="pl-PL" dirty="0"/>
-              <a:t>1 z klas nie posiada instancji -&gt; w rzeczywistości jest więc 6 klas szkła</a:t>
+              <a:t>Jedna z klas nie posiada instancji -&gt; w rzeczywistości jest więc 6 klas szkła</a:t>
             </a:r>
           </a:p>
         </p:txBody>
@@ -3736,38 +3757,50 @@
           <a:bodyPr/>
           <a:lstStyle/>
           <a:p>
+            <a:pPr lvl="1">
+              <a:buFont typeface="Courier New" panose="02070309020205020404" pitchFamily="49" charset="0"/>
+              <a:buChar char="o"/>
+            </a:pPr>
             <a:r>
               <a:rPr lang="pl-PL" dirty="0"/>
               <a:t>Wykresy pudełkowe –&gt; zmienność cech w zbiorze i poszczególnych klasach</a:t>
             </a:r>
           </a:p>
           <a:p>
+            <a:pPr lvl="1">
+              <a:buFont typeface="Courier New" panose="02070309020205020404" pitchFamily="49" charset="0"/>
+              <a:buChar char="o"/>
+            </a:pPr>
             <a:r>
               <a:rPr lang="pl-PL" dirty="0"/>
               <a:t>Ewentualnie wykresy skrzypcowe </a:t>
             </a:r>
           </a:p>
           <a:p>
+            <a:pPr lvl="1">
+              <a:buFont typeface="Courier New" panose="02070309020205020404" pitchFamily="49" charset="0"/>
+              <a:buChar char="o"/>
+            </a:pPr>
             <a:r>
               <a:rPr lang="pl-PL" dirty="0"/>
-              <a:t>Macierz korelacji -&gt; by ew. usunąć zbędne atrybuty</a:t>
-            </a:r>
-          </a:p>
-          <a:p>
+              <a:t>Macierz korelacji -&gt; by ewentualnie usunąć zbędne atrybuty</a:t>
+            </a:r>
+          </a:p>
+          <a:p>
+            <a:pPr lvl="1">
+              <a:buFont typeface="Courier New" panose="02070309020205020404" pitchFamily="49" charset="0"/>
+              <a:buChar char="o"/>
+            </a:pPr>
             <a:r>
               <a:rPr lang="pl-PL" dirty="0"/>
-              <a:t>Macierz wykresów punktowych -&gt; jak </a:t>
-            </a:r>
-            <a:r>
-              <a:rPr lang="pl-PL" dirty="0" err="1"/>
-              <a:t>atr</a:t>
-            </a:r>
-            <a:r>
-              <a:rPr lang="pl-PL" dirty="0"/>
-              <a:t>. dzielą ob. na klasy oraz wyobrażenie wyglądu zbioru</a:t>
-            </a:r>
-          </a:p>
-          <a:p>
+              <a:t>Macierz wykresów punktowych -&gt; jak atrybuty dzielą obiekty na klasy oraz wyobrażenie wyglądu zbioru</a:t>
+            </a:r>
+          </a:p>
+          <a:p>
+            <a:pPr lvl="1">
+              <a:buFont typeface="Courier New" panose="02070309020205020404" pitchFamily="49" charset="0"/>
+              <a:buChar char="o"/>
+            </a:pPr>
             <a:r>
               <a:rPr lang="pl-PL" dirty="0"/>
               <a:t>Wykres F1 od k dla modelu </a:t>
@@ -3778,10 +3811,14 @@
             </a:r>
             <a:r>
               <a:rPr lang="pl-PL" dirty="0"/>
-              <a:t> -&gt; najlepsze k</a:t>
-            </a:r>
-          </a:p>
-          <a:p>
+              <a:t> -&gt; wybór najlepszego k</a:t>
+            </a:r>
+          </a:p>
+          <a:p>
+            <a:pPr lvl="1">
+              <a:buFont typeface="Courier New" panose="02070309020205020404" pitchFamily="49" charset="0"/>
+              <a:buChar char="o"/>
+            </a:pPr>
             <a:r>
               <a:rPr lang="pl-PL" dirty="0"/>
               <a:t>Wykres instancji klas -&gt; badanie zbalansowania</a:t>
@@ -3876,30 +3913,44 @@
           </a:xfrm>
         </p:spPr>
         <p:txBody>
-          <a:bodyPr/>
-          <a:lstStyle/>
-          <a:p>
+          <a:bodyPr>
+            <a:normAutofit/>
+          </a:bodyPr>
+          <a:lstStyle/>
+          <a:p>
+            <a:pPr marL="0" indent="0">
+              <a:buNone/>
+            </a:pPr>
             <a:r>
               <a:rPr lang="pl-PL" dirty="0"/>
-              <a:t>Dla oryginalnego zbioru:</a:t>
-            </a:r>
-          </a:p>
-          <a:p>
-            <a:pPr lvl="1"/>
+              <a:t> Dla oryginalnego zbioru:</a:t>
+            </a:r>
+          </a:p>
+          <a:p>
+            <a:pPr lvl="1">
+              <a:buFont typeface="Courier New" panose="02070309020205020404" pitchFamily="49" charset="0"/>
+              <a:buChar char="o"/>
+            </a:pPr>
             <a:r>
               <a:rPr lang="pl-PL" dirty="0"/>
               <a:t>Średnia wartość cechy w zbiorze i poszczególnych klasach</a:t>
             </a:r>
           </a:p>
           <a:p>
-            <a:pPr lvl="1"/>
+            <a:pPr lvl="1">
+              <a:buFont typeface="Courier New" panose="02070309020205020404" pitchFamily="49" charset="0"/>
+              <a:buChar char="o"/>
+            </a:pPr>
             <a:r>
               <a:rPr lang="pl-PL" dirty="0"/>
               <a:t>Również odchylenie standardowe</a:t>
             </a:r>
           </a:p>
           <a:p>
-            <a:pPr lvl="1"/>
+            <a:pPr lvl="1">
+              <a:buFont typeface="Courier New" panose="02070309020205020404" pitchFamily="49" charset="0"/>
+              <a:buChar char="o"/>
+            </a:pPr>
             <a:r>
               <a:rPr lang="pl-PL" dirty="0"/>
               <a:t>Min, max, 3 </a:t>
@@ -3929,7 +3980,7 @@
         <p:spPr>
           <a:xfrm>
             <a:off x="838200" y="3540154"/>
-            <a:ext cx="10515600" cy="1714529"/>
+            <a:ext cx="10515600" cy="1979802"/>
           </a:xfrm>
           <a:prstGeom prst="rect">
             <a:avLst/>
@@ -3937,7 +3988,7 @@
         </p:spPr>
         <p:txBody>
           <a:bodyPr vert="horz" lIns="91440" tIns="45720" rIns="91440" bIns="45720" rtlCol="0">
-            <a:normAutofit fontScale="92500" lnSpcReduction="20000"/>
+            <a:normAutofit fontScale="85000" lnSpcReduction="20000"/>
           </a:bodyPr>
           <a:lstStyle>
             <a:lvl1pPr marL="228600" indent="-228600" algn="l" defTabSz="914400" rtl="0" eaLnBrk="1" latinLnBrk="0" hangingPunct="1">
@@ -4104,20 +4155,29 @@
             </a:lvl9pPr>
           </a:lstStyle>
           <a:p>
+            <a:pPr marL="0" indent="0">
+              <a:buNone/>
+            </a:pPr>
             <a:r>
               <a:rPr lang="pl-PL" dirty="0"/>
-              <a:t>Badając wyniki trenowania modeli:</a:t>
-            </a:r>
-          </a:p>
-          <a:p>
-            <a:pPr lvl="1"/>
+              <a:t> Badając wyniki trenowania modeli:</a:t>
+            </a:r>
+          </a:p>
+          <a:p>
+            <a:pPr marL="357188" indent="-357188">
+              <a:buFont typeface="Courier New" panose="02070309020205020404" pitchFamily="49" charset="0"/>
+              <a:buChar char="o"/>
+            </a:pPr>
             <a:r>
               <a:rPr lang="pl-PL" dirty="0"/>
               <a:t>Precision</a:t>
             </a:r>
           </a:p>
           <a:p>
-            <a:pPr lvl="1"/>
+            <a:pPr marL="357188" indent="-357188">
+              <a:buFont typeface="Courier New" panose="02070309020205020404" pitchFamily="49" charset="0"/>
+              <a:buChar char="o"/>
+            </a:pPr>
             <a:r>
               <a:rPr lang="pl-PL" dirty="0" err="1"/>
               <a:t>Recall</a:t>
@@ -4125,14 +4185,20 @@
             <a:endParaRPr lang="pl-PL" dirty="0"/>
           </a:p>
           <a:p>
-            <a:pPr lvl="1"/>
+            <a:pPr marL="357188" indent="-357188">
+              <a:buFont typeface="Courier New" panose="02070309020205020404" pitchFamily="49" charset="0"/>
+              <a:buChar char="o"/>
+            </a:pPr>
             <a:r>
               <a:rPr lang="pl-PL" dirty="0"/>
               <a:t>F1</a:t>
             </a:r>
           </a:p>
           <a:p>
-            <a:pPr lvl="1"/>
+            <a:pPr marL="357188" indent="-357188">
+              <a:buFont typeface="Courier New" panose="02070309020205020404" pitchFamily="49" charset="0"/>
+              <a:buChar char="o"/>
+            </a:pPr>
             <a:r>
               <a:rPr lang="pl-PL" dirty="0" err="1"/>
               <a:t>Accuracy</a:t>
@@ -4227,6 +4293,10 @@
           <a:bodyPr/>
           <a:lstStyle/>
           <a:p>
+            <a:pPr lvl="1">
+              <a:buFont typeface="Courier New" panose="02070309020205020404" pitchFamily="49" charset="0"/>
+              <a:buChar char="o"/>
+            </a:pPr>
             <a:r>
               <a:rPr lang="pl-PL" dirty="0" err="1"/>
               <a:t>kNN</a:t>
@@ -4234,18 +4304,30 @@
             <a:endParaRPr lang="pl-PL" dirty="0"/>
           </a:p>
           <a:p>
+            <a:pPr lvl="1">
+              <a:buFont typeface="Courier New" panose="02070309020205020404" pitchFamily="49" charset="0"/>
+              <a:buChar char="o"/>
+            </a:pPr>
             <a:r>
               <a:rPr lang="pl-PL" dirty="0"/>
               <a:t>DD</a:t>
             </a:r>
           </a:p>
           <a:p>
+            <a:pPr lvl="1">
+              <a:buFont typeface="Courier New" panose="02070309020205020404" pitchFamily="49" charset="0"/>
+              <a:buChar char="o"/>
+            </a:pPr>
             <a:r>
               <a:rPr lang="pl-PL" dirty="0"/>
               <a:t>Naiwny Bayesa</a:t>
             </a:r>
           </a:p>
           <a:p>
+            <a:pPr lvl="1">
+              <a:buFont typeface="Courier New" panose="02070309020205020404" pitchFamily="49" charset="0"/>
+              <a:buChar char="o"/>
+            </a:pPr>
             <a:r>
               <a:rPr lang="pl-PL" dirty="0"/>
               <a:t>Najbliższy centroid</a:t>
@@ -4332,6 +4414,10 @@
           <a:bodyPr/>
           <a:lstStyle/>
           <a:p>
+            <a:pPr lvl="1">
+              <a:buFont typeface="Courier New" panose="02070309020205020404" pitchFamily="49" charset="0"/>
+              <a:buChar char="o"/>
+            </a:pPr>
             <a:r>
               <a:rPr lang="pl-PL" dirty="0"/>
               <a:t>Dokonana przy użyciu walidacji krzyżowej </a:t>
@@ -4346,6 +4432,10 @@
             </a:r>
           </a:p>
           <a:p>
+            <a:pPr lvl="1">
+              <a:buFont typeface="Courier New" panose="02070309020205020404" pitchFamily="49" charset="0"/>
+              <a:buChar char="o"/>
+            </a:pPr>
             <a:r>
               <a:rPr lang="pl-PL" dirty="0"/>
               <a:t>Dla każdego z podziałów część ucząca jest </a:t>
@@ -4356,16 +4446,24 @@
             </a:r>
             <a:r>
               <a:rPr lang="pl-PL" dirty="0"/>
-              <a:t> by ją zbalansować z użyciem SMOTE. </a:t>
-            </a:r>
-          </a:p>
-          <a:p>
+              <a:t> (by ją zbalansować) z użyciem SMOTE. </a:t>
+            </a:r>
+          </a:p>
+          <a:p>
+            <a:pPr lvl="1">
+              <a:buFont typeface="Courier New" panose="02070309020205020404" pitchFamily="49" charset="0"/>
+              <a:buChar char="o"/>
+            </a:pPr>
             <a:r>
               <a:rPr lang="pl-PL" dirty="0"/>
               <a:t>Część testowa pozostaje niezmienna. </a:t>
             </a:r>
           </a:p>
           <a:p>
+            <a:pPr lvl="1">
+              <a:buFont typeface="Courier New" panose="02070309020205020404" pitchFamily="49" charset="0"/>
+              <a:buChar char="o"/>
+            </a:pPr>
             <a:r>
               <a:rPr lang="pl-PL" dirty="0"/>
               <a:t>Przykładamy wagę do metryk F1, precyzji i czułości, a mniejszą do </a:t>
@@ -4380,6 +4478,10 @@
             </a:r>
           </a:p>
           <a:p>
+            <a:pPr lvl="1">
+              <a:buFont typeface="Courier New" panose="02070309020205020404" pitchFamily="49" charset="0"/>
+              <a:buChar char="o"/>
+            </a:pPr>
             <a:r>
               <a:rPr lang="pl-PL" dirty="0"/>
               <a:t>Liczymy średnie metryki w n-podziałach.</a:t>
